--- a/[01-1 데이터 분석 및 시각화 0618금] (1~1교시) 파이썬 라이브러리를 활용한 데이터 분석 개요와 준비.pptx
+++ b/[01-1 데이터 분석 및 시각화 0618금] (1~1교시) 파이썬 라이브러리를 활용한 데이터 분석 개요와 준비.pptx
@@ -6,7 +6,7 @@
     <p:sldMasterId id="2147483672" r:id="rId2"/>
   </p:sldMasterIdLst>
   <p:notesMasterIdLst>
-    <p:notesMasterId r:id="rId19"/>
+    <p:notesMasterId r:id="rId20"/>
   </p:notesMasterIdLst>
   <p:sldIdLst>
     <p:sldId id="579" r:id="rId3"/>
@@ -16,20 +16,21 @@
     <p:sldId id="599" r:id="rId7"/>
     <p:sldId id="596" r:id="rId8"/>
     <p:sldId id="597" r:id="rId9"/>
-    <p:sldId id="591" r:id="rId10"/>
-    <p:sldId id="601" r:id="rId11"/>
-    <p:sldId id="593" r:id="rId12"/>
-    <p:sldId id="594" r:id="rId13"/>
-    <p:sldId id="595" r:id="rId14"/>
-    <p:sldId id="602" r:id="rId15"/>
-    <p:sldId id="603" r:id="rId16"/>
-    <p:sldId id="604" r:id="rId17"/>
-    <p:sldId id="605" r:id="rId18"/>
+    <p:sldId id="606" r:id="rId10"/>
+    <p:sldId id="591" r:id="rId11"/>
+    <p:sldId id="601" r:id="rId12"/>
+    <p:sldId id="593" r:id="rId13"/>
+    <p:sldId id="594" r:id="rId14"/>
+    <p:sldId id="595" r:id="rId15"/>
+    <p:sldId id="602" r:id="rId16"/>
+    <p:sldId id="603" r:id="rId17"/>
+    <p:sldId id="604" r:id="rId18"/>
+    <p:sldId id="605" r:id="rId19"/>
   </p:sldIdLst>
   <p:sldSz cx="9144000" cy="6858000" type="screen4x3"/>
   <p:notesSz cx="6858000" cy="9144000"/>
   <p:custDataLst>
-    <p:tags r:id="rId20"/>
+    <p:tags r:id="rId21"/>
   </p:custDataLst>
   <p:defaultTextStyle>
     <a:defPPr>
@@ -17394,6 +17395,152 @@
           <a:p>
             <a:r>
               <a:rPr lang="en-US" altLang="ko-KR" dirty="0" smtClean="0"/>
+              <a:t>3. </a:t>
+            </a:r>
+            <a:r>
+              <a:rPr lang="ko-KR" altLang="en-US" dirty="0" smtClean="0"/>
+              <a:t>프로젝트의</a:t>
+            </a:r>
+            <a:r>
+              <a:rPr lang="en-US" altLang="ko-KR" dirty="0" smtClean="0"/>
+              <a:t> </a:t>
+            </a:r>
+            <a:r>
+              <a:rPr lang="ko-KR" altLang="en-US" dirty="0" smtClean="0"/>
+              <a:t>가상환경 확인</a:t>
+            </a:r>
+            <a:r>
+              <a:rPr lang="en-US" altLang="ko-KR" dirty="0" smtClean="0"/>
+              <a:t> </a:t>
+            </a:r>
+            <a:endParaRPr lang="ko-KR" altLang="en-US" dirty="0"/>
+          </a:p>
+        </p:txBody>
+      </p:sp>
+      <p:sp>
+        <p:nvSpPr>
+          <p:cNvPr id="4" name="내용 개체 틀 3"/>
+          <p:cNvSpPr>
+            <a:spLocks noGrp="1"/>
+          </p:cNvSpPr>
+          <p:nvPr>
+            <p:ph idx="1"/>
+          </p:nvPr>
+        </p:nvSpPr>
+        <p:spPr/>
+        <p:txBody>
+          <a:bodyPr/>
+          <a:lstStyle/>
+          <a:p>
+            <a:r>
+              <a:rPr lang="ko-KR" altLang="en-US" dirty="0" smtClean="0"/>
+              <a:t>터미널 열어서 가상환경 이름 확인</a:t>
+            </a:r>
+            <a:endParaRPr lang="ko-KR" altLang="en-US" dirty="0"/>
+          </a:p>
+        </p:txBody>
+      </p:sp>
+      <p:pic>
+        <p:nvPicPr>
+          <p:cNvPr id="7" name="그림 6"/>
+          <p:cNvPicPr>
+            <a:picLocks noChangeAspect="1"/>
+          </p:cNvPicPr>
+          <p:nvPr/>
+        </p:nvPicPr>
+        <p:blipFill>
+          <a:blip r:embed="rId2"/>
+          <a:stretch>
+            <a:fillRect/>
+          </a:stretch>
+        </p:blipFill>
+        <p:spPr>
+          <a:xfrm>
+            <a:off x="1257298" y="1779059"/>
+            <a:ext cx="6909955" cy="4286250"/>
+          </a:xfrm>
+          <a:prstGeom prst="rect">
+            <a:avLst/>
+          </a:prstGeom>
+        </p:spPr>
+      </p:pic>
+    </p:spTree>
+    <p:extLst>
+      <p:ext uri="{BB962C8B-B14F-4D97-AF65-F5344CB8AC3E}">
+        <p14:creationId xmlns:p14="http://schemas.microsoft.com/office/powerpoint/2010/main" val="3484409705"/>
+      </p:ext>
+    </p:extLst>
+  </p:cSld>
+  <p:clrMapOvr>
+    <a:masterClrMapping/>
+  </p:clrMapOvr>
+  <p:timing>
+    <p:tnLst>
+      <p:par>
+        <p:cTn id="1" dur="indefinite" restart="never" nodeType="tmRoot"/>
+      </p:par>
+    </p:tnLst>
+  </p:timing>
+</p:sld>
+</file>
+
+<file path=ppt/slides/slide11.xml><?xml version="1.0" encoding="utf-8"?>
+<p:sld xmlns:a="http://schemas.openxmlformats.org/drawingml/2006/main" xmlns:r="http://schemas.openxmlformats.org/officeDocument/2006/relationships" xmlns:p="http://schemas.openxmlformats.org/presentationml/2006/main">
+  <p:cSld>
+    <p:spTree>
+      <p:nvGrpSpPr>
+        <p:cNvPr id="1" name=""/>
+        <p:cNvGrpSpPr/>
+        <p:nvPr/>
+      </p:nvGrpSpPr>
+      <p:grpSpPr>
+        <a:xfrm>
+          <a:off x="0" y="0"/>
+          <a:ext cx="0" cy="0"/>
+          <a:chOff x="0" y="0"/>
+          <a:chExt cx="0" cy="0"/>
+        </a:xfrm>
+      </p:grpSpPr>
+      <p:sp>
+        <p:nvSpPr>
+          <p:cNvPr id="2" name="슬라이드 번호 개체 틀 1"/>
+          <p:cNvSpPr>
+            <a:spLocks noGrp="1"/>
+          </p:cNvSpPr>
+          <p:nvPr>
+            <p:ph type="sldNum" sz="quarter" idx="4"/>
+          </p:nvPr>
+        </p:nvSpPr>
+        <p:spPr/>
+        <p:txBody>
+          <a:bodyPr/>
+          <a:lstStyle/>
+          <a:p>
+            <a:fld id="{B4F3E208-3B10-45C3-AB64-9D3429F1AD1A}" type="slidenum">
+              <a:rPr lang="ko-KR" altLang="en-US" smtClean="0"/>
+              <a:t>11</a:t>
+            </a:fld>
+            <a:endParaRPr lang="ko-KR" altLang="en-US"/>
+          </a:p>
+        </p:txBody>
+      </p:sp>
+      <p:sp>
+        <p:nvSpPr>
+          <p:cNvPr id="3" name="제목 2"/>
+          <p:cNvSpPr>
+            <a:spLocks noGrp="1"/>
+          </p:cNvSpPr>
+          <p:nvPr>
+            <p:ph type="title"/>
+          </p:nvPr>
+        </p:nvSpPr>
+        <p:spPr/>
+        <p:txBody>
+          <a:bodyPr/>
+          <a:lstStyle/>
+          <a:p>
+            <a:r>
+              <a:rPr lang="en-US" altLang="ko-KR" dirty="0" smtClean="0"/>
               <a:t>4. </a:t>
             </a:r>
             <a:r>
@@ -17565,152 +17712,6 @@
 </p:sld>
 </file>
 
-<file path=ppt/slides/slide11.xml><?xml version="1.0" encoding="utf-8"?>
-<p:sld xmlns:a="http://schemas.openxmlformats.org/drawingml/2006/main" xmlns:r="http://schemas.openxmlformats.org/officeDocument/2006/relationships" xmlns:p="http://schemas.openxmlformats.org/presentationml/2006/main">
-  <p:cSld>
-    <p:spTree>
-      <p:nvGrpSpPr>
-        <p:cNvPr id="1" name=""/>
-        <p:cNvGrpSpPr/>
-        <p:nvPr/>
-      </p:nvGrpSpPr>
-      <p:grpSpPr>
-        <a:xfrm>
-          <a:off x="0" y="0"/>
-          <a:ext cx="0" cy="0"/>
-          <a:chOff x="0" y="0"/>
-          <a:chExt cx="0" cy="0"/>
-        </a:xfrm>
-      </p:grpSpPr>
-      <p:sp>
-        <p:nvSpPr>
-          <p:cNvPr id="2" name="슬라이드 번호 개체 틀 1"/>
-          <p:cNvSpPr>
-            <a:spLocks noGrp="1"/>
-          </p:cNvSpPr>
-          <p:nvPr>
-            <p:ph type="sldNum" sz="quarter" idx="4"/>
-          </p:nvPr>
-        </p:nvSpPr>
-        <p:spPr/>
-        <p:txBody>
-          <a:bodyPr/>
-          <a:lstStyle/>
-          <a:p>
-            <a:fld id="{B4F3E208-3B10-45C3-AB64-9D3429F1AD1A}" type="slidenum">
-              <a:rPr lang="ko-KR" altLang="en-US" smtClean="0"/>
-              <a:t>11</a:t>
-            </a:fld>
-            <a:endParaRPr lang="ko-KR" altLang="en-US"/>
-          </a:p>
-        </p:txBody>
-      </p:sp>
-      <p:sp>
-        <p:nvSpPr>
-          <p:cNvPr id="3" name="제목 2"/>
-          <p:cNvSpPr>
-            <a:spLocks noGrp="1"/>
-          </p:cNvSpPr>
-          <p:nvPr>
-            <p:ph type="title"/>
-          </p:nvPr>
-        </p:nvSpPr>
-        <p:spPr/>
-        <p:txBody>
-          <a:bodyPr/>
-          <a:lstStyle/>
-          <a:p>
-            <a:r>
-              <a:rPr lang="en-US" altLang="ko-KR" dirty="0" err="1" smtClean="0"/>
-              <a:t>IPython</a:t>
-            </a:r>
-            <a:r>
-              <a:rPr lang="en-US" altLang="ko-KR" dirty="0" smtClean="0"/>
-              <a:t> </a:t>
-            </a:r>
-            <a:r>
-              <a:rPr lang="ko-KR" altLang="en-US" dirty="0" smtClean="0"/>
-              <a:t>실행 </a:t>
-            </a:r>
-            <a:endParaRPr lang="ko-KR" altLang="en-US" dirty="0"/>
-          </a:p>
-        </p:txBody>
-      </p:sp>
-      <p:sp>
-        <p:nvSpPr>
-          <p:cNvPr id="4" name="내용 개체 틀 3"/>
-          <p:cNvSpPr>
-            <a:spLocks noGrp="1"/>
-          </p:cNvSpPr>
-          <p:nvPr>
-            <p:ph idx="1"/>
-          </p:nvPr>
-        </p:nvSpPr>
-        <p:spPr/>
-        <p:txBody>
-          <a:bodyPr/>
-          <a:lstStyle/>
-          <a:p>
-            <a:r>
-              <a:rPr lang="ko-KR" altLang="en-US" dirty="0" smtClean="0"/>
-              <a:t>자기주도학습</a:t>
-            </a:r>
-            <a:endParaRPr lang="en-US" altLang="ko-KR" dirty="0" smtClean="0"/>
-          </a:p>
-          <a:p>
-            <a:pPr lvl="1"/>
-            <a:r>
-              <a:rPr lang="en-US" altLang="ko-KR" dirty="0"/>
-              <a:t>P44~50</a:t>
-            </a:r>
-            <a:endParaRPr lang="ko-KR" altLang="en-US" dirty="0"/>
-          </a:p>
-        </p:txBody>
-      </p:sp>
-      <p:pic>
-        <p:nvPicPr>
-          <p:cNvPr id="5" name="그림 4"/>
-          <p:cNvPicPr>
-            <a:picLocks noChangeAspect="1"/>
-          </p:cNvPicPr>
-          <p:nvPr/>
-        </p:nvPicPr>
-        <p:blipFill>
-          <a:blip r:embed="rId2"/>
-          <a:stretch>
-            <a:fillRect/>
-          </a:stretch>
-        </p:blipFill>
-        <p:spPr>
-          <a:xfrm>
-            <a:off x="962108" y="2018467"/>
-            <a:ext cx="7456877" cy="3785985"/>
-          </a:xfrm>
-          <a:prstGeom prst="rect">
-            <a:avLst/>
-          </a:prstGeom>
-        </p:spPr>
-      </p:pic>
-    </p:spTree>
-    <p:extLst>
-      <p:ext uri="{BB962C8B-B14F-4D97-AF65-F5344CB8AC3E}">
-        <p14:creationId xmlns:p14="http://schemas.microsoft.com/office/powerpoint/2010/main" val="4294441320"/>
-      </p:ext>
-    </p:extLst>
-  </p:cSld>
-  <p:clrMapOvr>
-    <a:masterClrMapping/>
-  </p:clrMapOvr>
-  <p:timing>
-    <p:tnLst>
-      <p:par>
-        <p:cTn id="1" dur="indefinite" restart="never" nodeType="tmRoot"/>
-      </p:par>
-    </p:tnLst>
-  </p:timing>
-</p:sld>
-</file>
-
 <file path=ppt/slides/slide12.xml><?xml version="1.0" encoding="utf-8"?>
 <p:sld xmlns:a="http://schemas.openxmlformats.org/drawingml/2006/main" xmlns:r="http://schemas.openxmlformats.org/officeDocument/2006/relationships" xmlns:p="http://schemas.openxmlformats.org/presentationml/2006/main">
   <p:cSld>
@@ -17767,8 +17768,16 @@
           <a:lstStyle/>
           <a:p>
             <a:r>
+              <a:rPr lang="en-US" altLang="ko-KR" dirty="0" err="1" smtClean="0"/>
+              <a:t>IPython</a:t>
+            </a:r>
+            <a:r>
+              <a:rPr lang="en-US" altLang="ko-KR" dirty="0" smtClean="0"/>
+              <a:t> </a:t>
+            </a:r>
+            <a:r>
               <a:rPr lang="ko-KR" altLang="en-US" dirty="0" smtClean="0"/>
-              <a:t>주피터 실행</a:t>
+              <a:t>실행 </a:t>
             </a:r>
             <a:endParaRPr lang="ko-KR" altLang="en-US" dirty="0"/>
           </a:p>
@@ -17791,57 +17800,48 @@
           <a:p>
             <a:r>
               <a:rPr lang="ko-KR" altLang="en-US" dirty="0" smtClean="0"/>
-              <a:t>소스가 있는 폴더에서 터미널 열어</a:t>
+              <a:t>자기주도학습</a:t>
             </a:r>
             <a:endParaRPr lang="en-US" altLang="ko-KR" dirty="0" smtClean="0"/>
           </a:p>
           <a:p>
             <a:pPr lvl="1"/>
             <a:r>
-              <a:rPr lang="en-US" altLang="ko-KR" dirty="0" err="1" smtClean="0"/>
-              <a:t>jupyter</a:t>
-            </a:r>
-            <a:r>
-              <a:rPr lang="en-US" altLang="ko-KR" dirty="0" smtClean="0"/>
-              <a:t> </a:t>
-            </a:r>
-            <a:r>
-              <a:rPr lang="en-US" altLang="ko-KR" dirty="0" smtClean="0"/>
-              <a:t>notebook</a:t>
-            </a:r>
-          </a:p>
-          <a:p>
-            <a:pPr lvl="1"/>
-            <a:r>
-              <a:rPr lang="en-US" altLang="ko-KR" dirty="0" smtClean="0"/>
-              <a:t>python –m notebook</a:t>
-            </a:r>
-            <a:endParaRPr lang="en-US" altLang="ko-KR" dirty="0" smtClean="0"/>
-          </a:p>
-          <a:p>
-            <a:r>
-              <a:rPr lang="ko-KR" altLang="en-US" dirty="0" smtClean="0"/>
-              <a:t>노트북 열기</a:t>
-            </a:r>
-            <a:endParaRPr lang="en-US" altLang="ko-KR" dirty="0" smtClean="0"/>
-          </a:p>
-          <a:p>
-            <a:pPr lvl="1"/>
-            <a:r>
-              <a:rPr lang="en-US" altLang="ko-KR" dirty="0" smtClean="0"/>
-              <a:t>ch02-study.ipynb</a:t>
-            </a:r>
-          </a:p>
-          <a:p>
-            <a:pPr lvl="1"/>
+              <a:rPr lang="en-US" altLang="ko-KR" dirty="0"/>
+              <a:t>P44~50</a:t>
+            </a:r>
             <a:endParaRPr lang="ko-KR" altLang="en-US" dirty="0"/>
           </a:p>
         </p:txBody>
       </p:sp>
+      <p:pic>
+        <p:nvPicPr>
+          <p:cNvPr id="5" name="그림 4"/>
+          <p:cNvPicPr>
+            <a:picLocks noChangeAspect="1"/>
+          </p:cNvPicPr>
+          <p:nvPr/>
+        </p:nvPicPr>
+        <p:blipFill>
+          <a:blip r:embed="rId2"/>
+          <a:stretch>
+            <a:fillRect/>
+          </a:stretch>
+        </p:blipFill>
+        <p:spPr>
+          <a:xfrm>
+            <a:off x="962108" y="2018467"/>
+            <a:ext cx="7456877" cy="3785985"/>
+          </a:xfrm>
+          <a:prstGeom prst="rect">
+            <a:avLst/>
+          </a:prstGeom>
+        </p:spPr>
+      </p:pic>
     </p:spTree>
     <p:extLst>
       <p:ext uri="{BB962C8B-B14F-4D97-AF65-F5344CB8AC3E}">
-        <p14:creationId xmlns:p14="http://schemas.microsoft.com/office/powerpoint/2010/main" val="941960692"/>
+        <p14:creationId xmlns:p14="http://schemas.microsoft.com/office/powerpoint/2010/main" val="4294441320"/>
       </p:ext>
     </p:extLst>
   </p:cSld>
@@ -17915,6 +17915,172 @@
           <a:p>
             <a:r>
               <a:rPr lang="ko-KR" altLang="en-US" dirty="0" smtClean="0"/>
+              <a:t>주피터 실행</a:t>
+            </a:r>
+            <a:endParaRPr lang="ko-KR" altLang="en-US" dirty="0"/>
+          </a:p>
+        </p:txBody>
+      </p:sp>
+      <p:sp>
+        <p:nvSpPr>
+          <p:cNvPr id="4" name="내용 개체 틀 3"/>
+          <p:cNvSpPr>
+            <a:spLocks noGrp="1"/>
+          </p:cNvSpPr>
+          <p:nvPr>
+            <p:ph idx="1"/>
+          </p:nvPr>
+        </p:nvSpPr>
+        <p:spPr/>
+        <p:txBody>
+          <a:bodyPr/>
+          <a:lstStyle/>
+          <a:p>
+            <a:r>
+              <a:rPr lang="ko-KR" altLang="en-US" dirty="0" smtClean="0"/>
+              <a:t>소스가 있는 폴더에서 터미널 열어</a:t>
+            </a:r>
+            <a:endParaRPr lang="en-US" altLang="ko-KR" dirty="0" smtClean="0"/>
+          </a:p>
+          <a:p>
+            <a:pPr lvl="1"/>
+            <a:r>
+              <a:rPr lang="en-US" altLang="ko-KR" dirty="0" err="1" smtClean="0"/>
+              <a:t>jupyter</a:t>
+            </a:r>
+            <a:r>
+              <a:rPr lang="en-US" altLang="ko-KR" dirty="0" smtClean="0"/>
+              <a:t> notebook</a:t>
+            </a:r>
+          </a:p>
+          <a:p>
+            <a:pPr lvl="1"/>
+            <a:r>
+              <a:rPr lang="en-US" altLang="ko-KR" dirty="0" smtClean="0"/>
+              <a:t>python –m notebook</a:t>
+            </a:r>
+          </a:p>
+          <a:p>
+            <a:r>
+              <a:rPr lang="ko-KR" altLang="en-US" dirty="0" smtClean="0"/>
+              <a:t>노트북 열기</a:t>
+            </a:r>
+            <a:endParaRPr lang="en-US" altLang="ko-KR" dirty="0" smtClean="0"/>
+          </a:p>
+          <a:p>
+            <a:pPr lvl="1"/>
+            <a:r>
+              <a:rPr lang="en-US" altLang="ko-KR" dirty="0" smtClean="0"/>
+              <a:t>ch02-study.ipynb</a:t>
+            </a:r>
+          </a:p>
+          <a:p>
+            <a:pPr lvl="1"/>
+            <a:endParaRPr lang="ko-KR" altLang="en-US" dirty="0"/>
+          </a:p>
+        </p:txBody>
+      </p:sp>
+      <p:pic>
+        <p:nvPicPr>
+          <p:cNvPr id="5" name="그림 4"/>
+          <p:cNvPicPr>
+            <a:picLocks noChangeAspect="1"/>
+          </p:cNvPicPr>
+          <p:nvPr/>
+        </p:nvPicPr>
+        <p:blipFill>
+          <a:blip r:embed="rId2"/>
+          <a:stretch>
+            <a:fillRect/>
+          </a:stretch>
+        </p:blipFill>
+        <p:spPr>
+          <a:xfrm>
+            <a:off x="2870791" y="2362727"/>
+            <a:ext cx="5853246" cy="3750994"/>
+          </a:xfrm>
+          <a:prstGeom prst="rect">
+            <a:avLst/>
+          </a:prstGeom>
+        </p:spPr>
+      </p:pic>
+    </p:spTree>
+    <p:extLst>
+      <p:ext uri="{BB962C8B-B14F-4D97-AF65-F5344CB8AC3E}">
+        <p14:creationId xmlns:p14="http://schemas.microsoft.com/office/powerpoint/2010/main" val="941960692"/>
+      </p:ext>
+    </p:extLst>
+  </p:cSld>
+  <p:clrMapOvr>
+    <a:masterClrMapping/>
+  </p:clrMapOvr>
+  <p:timing>
+    <p:tnLst>
+      <p:par>
+        <p:cTn id="1" dur="indefinite" restart="never" nodeType="tmRoot"/>
+      </p:par>
+    </p:tnLst>
+  </p:timing>
+</p:sld>
+</file>
+
+<file path=ppt/slides/slide14.xml><?xml version="1.0" encoding="utf-8"?>
+<p:sld xmlns:a="http://schemas.openxmlformats.org/drawingml/2006/main" xmlns:r="http://schemas.openxmlformats.org/officeDocument/2006/relationships" xmlns:p="http://schemas.openxmlformats.org/presentationml/2006/main">
+  <p:cSld>
+    <p:spTree>
+      <p:nvGrpSpPr>
+        <p:cNvPr id="1" name=""/>
+        <p:cNvGrpSpPr/>
+        <p:nvPr/>
+      </p:nvGrpSpPr>
+      <p:grpSpPr>
+        <a:xfrm>
+          <a:off x="0" y="0"/>
+          <a:ext cx="0" cy="0"/>
+          <a:chOff x="0" y="0"/>
+          <a:chExt cx="0" cy="0"/>
+        </a:xfrm>
+      </p:grpSpPr>
+      <p:sp>
+        <p:nvSpPr>
+          <p:cNvPr id="2" name="슬라이드 번호 개체 틀 1"/>
+          <p:cNvSpPr>
+            <a:spLocks noGrp="1"/>
+          </p:cNvSpPr>
+          <p:nvPr>
+            <p:ph type="sldNum" sz="quarter" idx="4"/>
+          </p:nvPr>
+        </p:nvSpPr>
+        <p:spPr/>
+        <p:txBody>
+          <a:bodyPr/>
+          <a:lstStyle/>
+          <a:p>
+            <a:fld id="{B4F3E208-3B10-45C3-AB64-9D3429F1AD1A}" type="slidenum">
+              <a:rPr lang="ko-KR" altLang="en-US" smtClean="0"/>
+              <a:t>14</a:t>
+            </a:fld>
+            <a:endParaRPr lang="ko-KR" altLang="en-US"/>
+          </a:p>
+        </p:txBody>
+      </p:sp>
+      <p:sp>
+        <p:nvSpPr>
+          <p:cNvPr id="3" name="제목 2"/>
+          <p:cNvSpPr>
+            <a:spLocks noGrp="1"/>
+          </p:cNvSpPr>
+          <p:nvPr>
+            <p:ph type="title"/>
+          </p:nvPr>
+        </p:nvSpPr>
+        <p:spPr/>
+        <p:txBody>
+          <a:bodyPr/>
+          <a:lstStyle/>
+          <a:p>
+            <a:r>
+              <a:rPr lang="ko-KR" altLang="en-US" dirty="0" smtClean="0"/>
               <a:t>책과</a:t>
             </a:r>
             <a:r>
@@ -18011,7 +18177,7 @@
 </p:sld>
 </file>
 
-<file path=ppt/slides/slide14.xml><?xml version="1.0" encoding="utf-8"?>
+<file path=ppt/slides/slide15.xml><?xml version="1.0" encoding="utf-8"?>
 <p:sld xmlns:a="http://schemas.openxmlformats.org/drawingml/2006/main" xmlns:r="http://schemas.openxmlformats.org/officeDocument/2006/relationships" xmlns:p="http://schemas.openxmlformats.org/presentationml/2006/main">
   <p:cSld>
     <p:spTree>
@@ -18307,225 +18473,6 @@
     <p:extLst>
       <p:ext uri="{BB962C8B-B14F-4D97-AF65-F5344CB8AC3E}">
         <p14:creationId xmlns:p14="http://schemas.microsoft.com/office/powerpoint/2010/main" val="2612402262"/>
-      </p:ext>
-    </p:extLst>
-  </p:cSld>
-  <p:clrMapOvr>
-    <a:masterClrMapping/>
-  </p:clrMapOvr>
-  <p:timing>
-    <p:tnLst>
-      <p:par>
-        <p:cTn id="1" dur="indefinite" restart="never" nodeType="tmRoot"/>
-      </p:par>
-    </p:tnLst>
-  </p:timing>
-</p:sld>
-</file>
-
-<file path=ppt/slides/slide15.xml><?xml version="1.0" encoding="utf-8"?>
-<p:sld xmlns:a="http://schemas.openxmlformats.org/drawingml/2006/main" xmlns:r="http://schemas.openxmlformats.org/officeDocument/2006/relationships" xmlns:p="http://schemas.openxmlformats.org/presentationml/2006/main">
-  <p:cSld>
-    <p:spTree>
-      <p:nvGrpSpPr>
-        <p:cNvPr id="1" name=""/>
-        <p:cNvGrpSpPr/>
-        <p:nvPr/>
-      </p:nvGrpSpPr>
-      <p:grpSpPr>
-        <a:xfrm>
-          <a:off x="0" y="0"/>
-          <a:ext cx="0" cy="0"/>
-          <a:chOff x="0" y="0"/>
-          <a:chExt cx="0" cy="0"/>
-        </a:xfrm>
-      </p:grpSpPr>
-      <p:sp>
-        <p:nvSpPr>
-          <p:cNvPr id="2" name="슬라이드 번호 개체 틀 1"/>
-          <p:cNvSpPr>
-            <a:spLocks noGrp="1"/>
-          </p:cNvSpPr>
-          <p:nvPr>
-            <p:ph type="sldNum" sz="quarter" idx="4"/>
-          </p:nvPr>
-        </p:nvSpPr>
-        <p:spPr/>
-        <p:txBody>
-          <a:bodyPr/>
-          <a:lstStyle/>
-          <a:p>
-            <a:fld id="{B4F3E208-3B10-45C3-AB64-9D3429F1AD1A}" type="slidenum">
-              <a:rPr lang="ko-KR" altLang="en-US" smtClean="0"/>
-              <a:t>15</a:t>
-            </a:fld>
-            <a:endParaRPr lang="ko-KR" altLang="en-US"/>
-          </a:p>
-        </p:txBody>
-      </p:sp>
-      <p:sp>
-        <p:nvSpPr>
-          <p:cNvPr id="3" name="제목 2"/>
-          <p:cNvSpPr>
-            <a:spLocks noGrp="1"/>
-          </p:cNvSpPr>
-          <p:nvPr>
-            <p:ph type="title"/>
-          </p:nvPr>
-        </p:nvSpPr>
-        <p:spPr/>
-        <p:txBody>
-          <a:bodyPr/>
-          <a:lstStyle/>
-          <a:p>
-            <a:r>
-              <a:rPr lang="ko-KR" altLang="en-US" dirty="0" smtClean="0"/>
-              <a:t>파이썬</a:t>
-            </a:r>
-            <a:r>
-              <a:rPr lang="en-US" altLang="ko-KR" dirty="0" smtClean="0"/>
-              <a:t>, </a:t>
-            </a:r>
-            <a:r>
-              <a:rPr lang="ko-KR" altLang="en-US" dirty="0" smtClean="0"/>
-              <a:t>최고의 인기 언어</a:t>
-            </a:r>
-            <a:endParaRPr lang="ko-KR" altLang="en-US" dirty="0"/>
-          </a:p>
-        </p:txBody>
-      </p:sp>
-      <p:sp>
-        <p:nvSpPr>
-          <p:cNvPr id="4" name="내용 개체 틀 3"/>
-          <p:cNvSpPr>
-            <a:spLocks noGrp="1"/>
-          </p:cNvSpPr>
-          <p:nvPr>
-            <p:ph idx="1"/>
-          </p:nvPr>
-        </p:nvSpPr>
-        <p:spPr/>
-        <p:txBody>
-          <a:bodyPr/>
-          <a:lstStyle/>
-          <a:p>
-            <a:r>
-              <a:rPr lang="ko-KR" altLang="en-US" dirty="0" smtClean="0"/>
-              <a:t>접착제로 쓰는 파이썬</a:t>
-            </a:r>
-            <a:r>
-              <a:rPr lang="en-US" altLang="ko-KR" dirty="0" smtClean="0"/>
-              <a:t> </a:t>
-            </a:r>
-          </a:p>
-          <a:p>
-            <a:pPr lvl="1"/>
-            <a:r>
-              <a:rPr lang="en-US" altLang="ko-KR" dirty="0" smtClean="0"/>
-              <a:t>C, C++, Fortran </a:t>
-            </a:r>
-            <a:r>
-              <a:rPr lang="ko-KR" altLang="en-US" dirty="0" smtClean="0"/>
-              <a:t>등의 기존 언어와 통합이 쉽다</a:t>
-            </a:r>
-            <a:endParaRPr lang="en-US" altLang="ko-KR" dirty="0" smtClean="0"/>
-          </a:p>
-          <a:p>
-            <a:pPr lvl="2"/>
-            <a:r>
-              <a:rPr lang="en-US" altLang="ko-KR" dirty="0" smtClean="0"/>
-              <a:t>Glue</a:t>
-            </a:r>
-            <a:r>
-              <a:rPr lang="ko-KR" altLang="en-US" dirty="0" smtClean="0"/>
-              <a:t> </a:t>
-            </a:r>
-            <a:r>
-              <a:rPr lang="en-US" altLang="ko-KR" dirty="0" smtClean="0"/>
-              <a:t>code, </a:t>
-            </a:r>
-            <a:r>
-              <a:rPr lang="ko-KR" altLang="en-US" dirty="0" smtClean="0"/>
-              <a:t>접착제 코드</a:t>
-            </a:r>
-            <a:endParaRPr lang="en-US" altLang="ko-KR" dirty="0" smtClean="0"/>
-          </a:p>
-          <a:p>
-            <a:r>
-              <a:rPr lang="ko-KR" altLang="en-US" dirty="0" smtClean="0"/>
-              <a:t>이제 파이썬 하나만 된다</a:t>
-            </a:r>
-            <a:endParaRPr lang="en-US" altLang="ko-KR" dirty="0" smtClean="0"/>
-          </a:p>
-          <a:p>
-            <a:pPr lvl="1"/>
-            <a:r>
-              <a:rPr lang="ko-KR" altLang="en-US" dirty="0" smtClean="0"/>
-              <a:t>웹 구축</a:t>
-            </a:r>
-            <a:endParaRPr lang="en-US" altLang="ko-KR" dirty="0" smtClean="0"/>
-          </a:p>
-          <a:p>
-            <a:pPr lvl="1"/>
-            <a:r>
-              <a:rPr lang="ko-KR" altLang="en-US" dirty="0" smtClean="0"/>
-              <a:t>일반 응용프로그램</a:t>
-            </a:r>
-            <a:endParaRPr lang="en-US" altLang="ko-KR" dirty="0" smtClean="0"/>
-          </a:p>
-          <a:p>
-            <a:pPr lvl="1"/>
-            <a:r>
-              <a:rPr lang="ko-KR" altLang="en-US" dirty="0" err="1" smtClean="0"/>
-              <a:t>데이터과학</a:t>
-            </a:r>
-            <a:endParaRPr lang="en-US" altLang="ko-KR" dirty="0" smtClean="0"/>
-          </a:p>
-          <a:p>
-            <a:pPr lvl="1"/>
-            <a:r>
-              <a:rPr lang="ko-KR" altLang="en-US" dirty="0" err="1" smtClean="0"/>
-              <a:t>딥러닝</a:t>
-            </a:r>
-            <a:endParaRPr lang="en-US" altLang="ko-KR" dirty="0" smtClean="0"/>
-          </a:p>
-          <a:p>
-            <a:r>
-              <a:rPr lang="ko-KR" altLang="en-US" dirty="0" smtClean="0"/>
-              <a:t>개발 시간이 단축</a:t>
-            </a:r>
-            <a:endParaRPr lang="en-US" altLang="ko-KR" dirty="0" smtClean="0"/>
-          </a:p>
-          <a:p>
-            <a:pPr lvl="1"/>
-            <a:r>
-              <a:rPr lang="ko-KR" altLang="en-US" dirty="0" smtClean="0"/>
-              <a:t>실행 시간이 느려도 이익</a:t>
-            </a:r>
-            <a:endParaRPr lang="en-US" altLang="ko-KR" dirty="0" smtClean="0"/>
-          </a:p>
-          <a:p>
-            <a:pPr lvl="2"/>
-            <a:r>
-              <a:rPr lang="en-US" altLang="ko-KR" dirty="0" smtClean="0"/>
-              <a:t>CPU</a:t>
-            </a:r>
-            <a:r>
-              <a:rPr lang="ko-KR" altLang="en-US" dirty="0" smtClean="0"/>
-              <a:t>시간 비용보다 사람의 비용이 더 크다</a:t>
-            </a:r>
-            <a:endParaRPr lang="en-US" altLang="ko-KR" dirty="0" smtClean="0"/>
-          </a:p>
-          <a:p>
-            <a:pPr lvl="2"/>
-            <a:endParaRPr lang="ko-KR" altLang="en-US" dirty="0"/>
-          </a:p>
-        </p:txBody>
-      </p:sp>
-    </p:spTree>
-    <p:extLst>
-      <p:ext uri="{BB962C8B-B14F-4D97-AF65-F5344CB8AC3E}">
-        <p14:creationId xmlns:p14="http://schemas.microsoft.com/office/powerpoint/2010/main" val="218427600"/>
       </p:ext>
     </p:extLst>
   </p:cSld>
@@ -18577,6 +18524,225 @@
             <a:fld id="{B4F3E208-3B10-45C3-AB64-9D3429F1AD1A}" type="slidenum">
               <a:rPr lang="ko-KR" altLang="en-US" smtClean="0"/>
               <a:t>16</a:t>
+            </a:fld>
+            <a:endParaRPr lang="ko-KR" altLang="en-US"/>
+          </a:p>
+        </p:txBody>
+      </p:sp>
+      <p:sp>
+        <p:nvSpPr>
+          <p:cNvPr id="3" name="제목 2"/>
+          <p:cNvSpPr>
+            <a:spLocks noGrp="1"/>
+          </p:cNvSpPr>
+          <p:nvPr>
+            <p:ph type="title"/>
+          </p:nvPr>
+        </p:nvSpPr>
+        <p:spPr/>
+        <p:txBody>
+          <a:bodyPr/>
+          <a:lstStyle/>
+          <a:p>
+            <a:r>
+              <a:rPr lang="ko-KR" altLang="en-US" dirty="0" smtClean="0"/>
+              <a:t>파이썬</a:t>
+            </a:r>
+            <a:r>
+              <a:rPr lang="en-US" altLang="ko-KR" dirty="0" smtClean="0"/>
+              <a:t>, </a:t>
+            </a:r>
+            <a:r>
+              <a:rPr lang="ko-KR" altLang="en-US" dirty="0" smtClean="0"/>
+              <a:t>최고의 인기 언어</a:t>
+            </a:r>
+            <a:endParaRPr lang="ko-KR" altLang="en-US" dirty="0"/>
+          </a:p>
+        </p:txBody>
+      </p:sp>
+      <p:sp>
+        <p:nvSpPr>
+          <p:cNvPr id="4" name="내용 개체 틀 3"/>
+          <p:cNvSpPr>
+            <a:spLocks noGrp="1"/>
+          </p:cNvSpPr>
+          <p:nvPr>
+            <p:ph idx="1"/>
+          </p:nvPr>
+        </p:nvSpPr>
+        <p:spPr/>
+        <p:txBody>
+          <a:bodyPr/>
+          <a:lstStyle/>
+          <a:p>
+            <a:r>
+              <a:rPr lang="ko-KR" altLang="en-US" dirty="0" smtClean="0"/>
+              <a:t>접착제로 쓰는 파이썬</a:t>
+            </a:r>
+            <a:r>
+              <a:rPr lang="en-US" altLang="ko-KR" dirty="0" smtClean="0"/>
+              <a:t> </a:t>
+            </a:r>
+          </a:p>
+          <a:p>
+            <a:pPr lvl="1"/>
+            <a:r>
+              <a:rPr lang="en-US" altLang="ko-KR" dirty="0" smtClean="0"/>
+              <a:t>C, C++, Fortran </a:t>
+            </a:r>
+            <a:r>
+              <a:rPr lang="ko-KR" altLang="en-US" dirty="0" smtClean="0"/>
+              <a:t>등의 기존 언어와 통합이 쉽다</a:t>
+            </a:r>
+            <a:endParaRPr lang="en-US" altLang="ko-KR" dirty="0" smtClean="0"/>
+          </a:p>
+          <a:p>
+            <a:pPr lvl="2"/>
+            <a:r>
+              <a:rPr lang="en-US" altLang="ko-KR" dirty="0" smtClean="0"/>
+              <a:t>Glue</a:t>
+            </a:r>
+            <a:r>
+              <a:rPr lang="ko-KR" altLang="en-US" dirty="0" smtClean="0"/>
+              <a:t> </a:t>
+            </a:r>
+            <a:r>
+              <a:rPr lang="en-US" altLang="ko-KR" dirty="0" smtClean="0"/>
+              <a:t>code, </a:t>
+            </a:r>
+            <a:r>
+              <a:rPr lang="ko-KR" altLang="en-US" dirty="0" smtClean="0"/>
+              <a:t>접착제 코드</a:t>
+            </a:r>
+            <a:endParaRPr lang="en-US" altLang="ko-KR" dirty="0" smtClean="0"/>
+          </a:p>
+          <a:p>
+            <a:r>
+              <a:rPr lang="ko-KR" altLang="en-US" dirty="0" smtClean="0"/>
+              <a:t>이제 파이썬 하나만 된다</a:t>
+            </a:r>
+            <a:endParaRPr lang="en-US" altLang="ko-KR" dirty="0" smtClean="0"/>
+          </a:p>
+          <a:p>
+            <a:pPr lvl="1"/>
+            <a:r>
+              <a:rPr lang="ko-KR" altLang="en-US" dirty="0" smtClean="0"/>
+              <a:t>웹 구축</a:t>
+            </a:r>
+            <a:endParaRPr lang="en-US" altLang="ko-KR" dirty="0" smtClean="0"/>
+          </a:p>
+          <a:p>
+            <a:pPr lvl="1"/>
+            <a:r>
+              <a:rPr lang="ko-KR" altLang="en-US" dirty="0" smtClean="0"/>
+              <a:t>일반 응용프로그램</a:t>
+            </a:r>
+            <a:endParaRPr lang="en-US" altLang="ko-KR" dirty="0" smtClean="0"/>
+          </a:p>
+          <a:p>
+            <a:pPr lvl="1"/>
+            <a:r>
+              <a:rPr lang="ko-KR" altLang="en-US" dirty="0" err="1" smtClean="0"/>
+              <a:t>데이터과학</a:t>
+            </a:r>
+            <a:endParaRPr lang="en-US" altLang="ko-KR" dirty="0" smtClean="0"/>
+          </a:p>
+          <a:p>
+            <a:pPr lvl="1"/>
+            <a:r>
+              <a:rPr lang="ko-KR" altLang="en-US" dirty="0" err="1" smtClean="0"/>
+              <a:t>딥러닝</a:t>
+            </a:r>
+            <a:endParaRPr lang="en-US" altLang="ko-KR" dirty="0" smtClean="0"/>
+          </a:p>
+          <a:p>
+            <a:r>
+              <a:rPr lang="ko-KR" altLang="en-US" dirty="0" smtClean="0"/>
+              <a:t>개발 시간이 단축</a:t>
+            </a:r>
+            <a:endParaRPr lang="en-US" altLang="ko-KR" dirty="0" smtClean="0"/>
+          </a:p>
+          <a:p>
+            <a:pPr lvl="1"/>
+            <a:r>
+              <a:rPr lang="ko-KR" altLang="en-US" dirty="0" smtClean="0"/>
+              <a:t>실행 시간이 느려도 이익</a:t>
+            </a:r>
+            <a:endParaRPr lang="en-US" altLang="ko-KR" dirty="0" smtClean="0"/>
+          </a:p>
+          <a:p>
+            <a:pPr lvl="2"/>
+            <a:r>
+              <a:rPr lang="en-US" altLang="ko-KR" dirty="0" smtClean="0"/>
+              <a:t>CPU</a:t>
+            </a:r>
+            <a:r>
+              <a:rPr lang="ko-KR" altLang="en-US" dirty="0" smtClean="0"/>
+              <a:t>시간 비용보다 사람의 비용이 더 크다</a:t>
+            </a:r>
+            <a:endParaRPr lang="en-US" altLang="ko-KR" dirty="0" smtClean="0"/>
+          </a:p>
+          <a:p>
+            <a:pPr lvl="2"/>
+            <a:endParaRPr lang="ko-KR" altLang="en-US" dirty="0"/>
+          </a:p>
+        </p:txBody>
+      </p:sp>
+    </p:spTree>
+    <p:extLst>
+      <p:ext uri="{BB962C8B-B14F-4D97-AF65-F5344CB8AC3E}">
+        <p14:creationId xmlns:p14="http://schemas.microsoft.com/office/powerpoint/2010/main" val="218427600"/>
+      </p:ext>
+    </p:extLst>
+  </p:cSld>
+  <p:clrMapOvr>
+    <a:masterClrMapping/>
+  </p:clrMapOvr>
+  <p:timing>
+    <p:tnLst>
+      <p:par>
+        <p:cTn id="1" dur="indefinite" restart="never" nodeType="tmRoot"/>
+      </p:par>
+    </p:tnLst>
+  </p:timing>
+</p:sld>
+</file>
+
+<file path=ppt/slides/slide17.xml><?xml version="1.0" encoding="utf-8"?>
+<p:sld xmlns:a="http://schemas.openxmlformats.org/drawingml/2006/main" xmlns:r="http://schemas.openxmlformats.org/officeDocument/2006/relationships" xmlns:p="http://schemas.openxmlformats.org/presentationml/2006/main">
+  <p:cSld>
+    <p:spTree>
+      <p:nvGrpSpPr>
+        <p:cNvPr id="1" name=""/>
+        <p:cNvGrpSpPr/>
+        <p:nvPr/>
+      </p:nvGrpSpPr>
+      <p:grpSpPr>
+        <a:xfrm>
+          <a:off x="0" y="0"/>
+          <a:ext cx="0" cy="0"/>
+          <a:chOff x="0" y="0"/>
+          <a:chExt cx="0" cy="0"/>
+        </a:xfrm>
+      </p:grpSpPr>
+      <p:sp>
+        <p:nvSpPr>
+          <p:cNvPr id="2" name="슬라이드 번호 개체 틀 1"/>
+          <p:cNvSpPr>
+            <a:spLocks noGrp="1"/>
+          </p:cNvSpPr>
+          <p:nvPr>
+            <p:ph type="sldNum" sz="quarter" idx="4"/>
+          </p:nvPr>
+        </p:nvSpPr>
+        <p:spPr/>
+        <p:txBody>
+          <a:bodyPr/>
+          <a:lstStyle/>
+          <a:p>
+            <a:fld id="{B4F3E208-3B10-45C3-AB64-9D3429F1AD1A}" type="slidenum">
+              <a:rPr lang="ko-KR" altLang="en-US" smtClean="0"/>
+              <a:t>17</a:t>
             </a:fld>
             <a:endParaRPr lang="ko-KR" altLang="en-US"/>
           </a:p>
@@ -18918,11 +19084,7 @@
             </a:r>
             <a:r>
               <a:rPr lang="en-US" altLang="ko-KR" dirty="0" smtClean="0"/>
-              <a:t>), </a:t>
-            </a:r>
-            <a:r>
-              <a:rPr lang="en-US" altLang="ko-KR" dirty="0" smtClean="0"/>
-              <a:t>7/29(</a:t>
+              <a:t>), 7/29(</a:t>
             </a:r>
             <a:r>
               <a:rPr lang="ko-KR" altLang="en-US" dirty="0" smtClean="0"/>
@@ -25298,11 +25460,7 @@
             </a:r>
             <a:r>
               <a:rPr lang="ko-KR" altLang="en-US" dirty="0" smtClean="0"/>
-              <a:t>’ </a:t>
-            </a:r>
-            <a:r>
-              <a:rPr lang="ko-KR" altLang="en-US" dirty="0" smtClean="0"/>
-              <a:t>하부 </a:t>
+              <a:t>’ 하부 </a:t>
             </a:r>
             <a:endParaRPr lang="en-US" altLang="ko-KR" dirty="0" smtClean="0"/>
           </a:p>
@@ -25509,16 +25667,16 @@
           <a:lstStyle/>
           <a:p>
             <a:r>
-              <a:rPr lang="en-US" altLang="ko-KR" dirty="0" smtClean="0"/>
-              <a:t>2. </a:t>
+              <a:rPr lang="ko-KR" altLang="en-US" dirty="0" smtClean="0"/>
+              <a:t>지역 저장소와 </a:t>
             </a:r>
             <a:r>
               <a:rPr lang="ko-KR" altLang="en-US" dirty="0" err="1" smtClean="0"/>
-              <a:t>파이참</a:t>
+              <a:t>오리진과</a:t>
             </a:r>
             <a:r>
               <a:rPr lang="ko-KR" altLang="en-US" dirty="0" smtClean="0"/>
-              <a:t> 프로젝트 생성</a:t>
+              <a:t> 싱크</a:t>
             </a:r>
             <a:endParaRPr lang="ko-KR" altLang="en-US" dirty="0"/>
           </a:p>
@@ -25540,64 +25698,18 @@
           <a:lstStyle/>
           <a:p>
             <a:r>
+              <a:rPr lang="en-US" altLang="ko-KR" dirty="0" smtClean="0"/>
+              <a:t>Fetch </a:t>
+            </a:r>
+            <a:r>
               <a:rPr lang="ko-KR" altLang="en-US" dirty="0" smtClean="0"/>
-              <a:t>폴더 지정</a:t>
-            </a:r>
-            <a:endParaRPr lang="en-US" altLang="ko-KR" dirty="0" smtClean="0"/>
-          </a:p>
-          <a:p>
+              <a:t>후 </a:t>
+            </a:r>
             <a:r>
               <a:rPr lang="en-US" altLang="ko-KR" dirty="0" smtClean="0"/>
-              <a:t>New</a:t>
-            </a:r>
-            <a:r>
-              <a:rPr lang="ko-KR" altLang="en-US" dirty="0" smtClean="0"/>
-              <a:t> </a:t>
-            </a:r>
-            <a:r>
-              <a:rPr lang="en-US" altLang="ko-KR" dirty="0" smtClean="0"/>
-              <a:t>environment using</a:t>
-            </a:r>
-          </a:p>
-          <a:p>
-            <a:pPr lvl="1"/>
-            <a:r>
-              <a:rPr lang="ko-KR" altLang="en-US" dirty="0" err="1" smtClean="0"/>
-              <a:t>콘다로</a:t>
-            </a:r>
-            <a:r>
-              <a:rPr lang="ko-KR" altLang="en-US" dirty="0" smtClean="0"/>
-              <a:t> 생성</a:t>
-            </a:r>
-            <a:endParaRPr lang="en-US" altLang="ko-KR" dirty="0" smtClean="0"/>
-          </a:p>
-          <a:p>
-            <a:pPr lvl="2"/>
-            <a:r>
-              <a:rPr lang="en-US" altLang="ko-KR" dirty="0" smtClean="0"/>
-              <a:t>anaconda3\</a:t>
-            </a:r>
-            <a:r>
-              <a:rPr lang="en-US" altLang="ko-KR" dirty="0" err="1" smtClean="0"/>
-              <a:t>envs</a:t>
-            </a:r>
-            <a:r>
-              <a:rPr lang="en-US" altLang="ko-KR" dirty="0" smtClean="0"/>
-              <a:t>\</a:t>
-            </a:r>
-            <a:r>
-              <a:rPr lang="en-US" altLang="ko-KR" dirty="0" err="1" smtClean="0">
-                <a:solidFill>
-                  <a:srgbClr val="FF0000"/>
-                </a:solidFill>
-              </a:rPr>
-              <a:t>pddata</a:t>
-            </a:r>
-            <a:endParaRPr lang="ko-KR" altLang="en-US" dirty="0">
-              <a:solidFill>
-                <a:srgbClr val="FF0000"/>
-              </a:solidFill>
-            </a:endParaRPr>
+              <a:t>pull origin</a:t>
+            </a:r>
+            <a:endParaRPr lang="ko-KR" altLang="en-US" dirty="0"/>
           </a:p>
         </p:txBody>
       </p:sp>
@@ -25617,8 +25729,32 @@
         </p:blipFill>
         <p:spPr>
           <a:xfrm>
-            <a:off x="1974849" y="2606482"/>
-            <a:ext cx="5051879" cy="3362518"/>
+            <a:off x="529936" y="1650207"/>
+            <a:ext cx="4052456" cy="2786064"/>
+          </a:xfrm>
+          <a:prstGeom prst="rect">
+            <a:avLst/>
+          </a:prstGeom>
+        </p:spPr>
+      </p:pic>
+      <p:pic>
+        <p:nvPicPr>
+          <p:cNvPr id="6" name="그림 5"/>
+          <p:cNvPicPr>
+            <a:picLocks noChangeAspect="1"/>
+          </p:cNvPicPr>
+          <p:nvPr/>
+        </p:nvPicPr>
+        <p:blipFill>
+          <a:blip r:embed="rId3"/>
+          <a:stretch>
+            <a:fillRect/>
+          </a:stretch>
+        </p:blipFill>
+        <p:spPr>
+          <a:xfrm>
+            <a:off x="4679063" y="3199100"/>
+            <a:ext cx="4294279" cy="2952317"/>
           </a:xfrm>
           <a:prstGeom prst="rect">
             <a:avLst/>
@@ -25628,20 +25764,13 @@
     </p:spTree>
     <p:extLst>
       <p:ext uri="{BB962C8B-B14F-4D97-AF65-F5344CB8AC3E}">
-        <p14:creationId xmlns:p14="http://schemas.microsoft.com/office/powerpoint/2010/main" val="2070045837"/>
+        <p14:creationId xmlns:p14="http://schemas.microsoft.com/office/powerpoint/2010/main" val="4216025521"/>
       </p:ext>
     </p:extLst>
   </p:cSld>
   <p:clrMapOvr>
     <a:masterClrMapping/>
   </p:clrMapOvr>
-  <p:timing>
-    <p:tnLst>
-      <p:par>
-        <p:cTn id="1" dur="indefinite" restart="never" nodeType="tmRoot"/>
-      </p:par>
-    </p:tnLst>
-  </p:timing>
 </p:sld>
 </file>
 
@@ -25702,23 +25831,15 @@
           <a:p>
             <a:r>
               <a:rPr lang="en-US" altLang="ko-KR" dirty="0" smtClean="0"/>
-              <a:t>3. </a:t>
+              <a:t>2. </a:t>
+            </a:r>
+            <a:r>
+              <a:rPr lang="ko-KR" altLang="en-US" dirty="0" err="1" smtClean="0"/>
+              <a:t>파이참</a:t>
             </a:r>
             <a:r>
               <a:rPr lang="ko-KR" altLang="en-US" dirty="0" smtClean="0"/>
-              <a:t>프로젝트의</a:t>
-            </a:r>
-            <a:r>
-              <a:rPr lang="en-US" altLang="ko-KR" dirty="0" smtClean="0"/>
-              <a:t> </a:t>
-            </a:r>
-            <a:r>
-              <a:rPr lang="ko-KR" altLang="en-US" dirty="0" smtClean="0"/>
-              <a:t>가상환경 확인</a:t>
-            </a:r>
-            <a:r>
-              <a:rPr lang="en-US" altLang="ko-KR" dirty="0" smtClean="0"/>
-              <a:t> </a:t>
+              <a:t> 프로젝트 생성</a:t>
             </a:r>
             <a:endParaRPr lang="ko-KR" altLang="en-US" dirty="0"/>
           </a:p>
@@ -25741,15 +25862,69 @@
           <a:p>
             <a:r>
               <a:rPr lang="ko-KR" altLang="en-US" dirty="0" smtClean="0"/>
-              <a:t>터미널 열어서 가상환경 이름 확인</a:t>
-            </a:r>
-            <a:endParaRPr lang="ko-KR" altLang="en-US" dirty="0"/>
+              <a:t>폴더 지정</a:t>
+            </a:r>
+            <a:endParaRPr lang="en-US" altLang="ko-KR" dirty="0" smtClean="0"/>
+          </a:p>
+          <a:p>
+            <a:r>
+              <a:rPr lang="en-US" altLang="ko-KR" dirty="0" smtClean="0"/>
+              <a:t>New</a:t>
+            </a:r>
+            <a:r>
+              <a:rPr lang="ko-KR" altLang="en-US" dirty="0" smtClean="0"/>
+              <a:t> </a:t>
+            </a:r>
+            <a:r>
+              <a:rPr lang="en-US" altLang="ko-KR" dirty="0" smtClean="0"/>
+              <a:t>environment using</a:t>
+            </a:r>
+          </a:p>
+          <a:p>
+            <a:pPr lvl="1"/>
+            <a:r>
+              <a:rPr lang="ko-KR" altLang="en-US" dirty="0" err="1" smtClean="0"/>
+              <a:t>콘다로</a:t>
+            </a:r>
+            <a:r>
+              <a:rPr lang="ko-KR" altLang="en-US" dirty="0" smtClean="0"/>
+              <a:t> 생성</a:t>
+            </a:r>
+            <a:endParaRPr lang="en-US" altLang="ko-KR" dirty="0" smtClean="0"/>
+          </a:p>
+          <a:p>
+            <a:pPr lvl="2"/>
+            <a:r>
+              <a:rPr lang="en-US" altLang="ko-KR" dirty="0" smtClean="0"/>
+              <a:t>anaconda3\</a:t>
+            </a:r>
+            <a:r>
+              <a:rPr lang="en-US" altLang="ko-KR" dirty="0" err="1" smtClean="0"/>
+              <a:t>envs</a:t>
+            </a:r>
+            <a:r>
+              <a:rPr lang="en-US" altLang="ko-KR" dirty="0" smtClean="0"/>
+              <a:t>\</a:t>
+            </a:r>
+            <a:r>
+              <a:rPr lang="en-US" altLang="ko-KR" dirty="0" err="1" smtClean="0">
+                <a:solidFill>
+                  <a:srgbClr val="FF0000"/>
+                </a:solidFill>
+              </a:rPr>
+              <a:t>pddata</a:t>
+            </a:r>
+            <a:endParaRPr lang="ko-KR" altLang="en-US" dirty="0">
+              <a:solidFill>
+                <a:srgbClr val="FF0000"/>
+              </a:solidFill>
+            </a:endParaRPr>
           </a:p>
         </p:txBody>
       </p:sp>
       <p:pic>
         <p:nvPicPr>
-          <p:cNvPr id="7" name="그림 6"/>
+          <p:cNvPr id="5" name="그림 4"/>
           <p:cNvPicPr>
             <a:picLocks noChangeAspect="1"/>
           </p:cNvPicPr>
@@ -25763,8 +25938,8 @@
         </p:blipFill>
         <p:spPr>
           <a:xfrm>
-            <a:off x="1257298" y="1779059"/>
-            <a:ext cx="6909955" cy="4286250"/>
+            <a:off x="1974849" y="2606482"/>
+            <a:ext cx="5051879" cy="3362518"/>
           </a:xfrm>
           <a:prstGeom prst="rect">
             <a:avLst/>
@@ -25774,7 +25949,7 @@
     </p:spTree>
     <p:extLst>
       <p:ext uri="{BB962C8B-B14F-4D97-AF65-F5344CB8AC3E}">
-        <p14:creationId xmlns:p14="http://schemas.microsoft.com/office/powerpoint/2010/main" val="3484409705"/>
+        <p14:creationId xmlns:p14="http://schemas.microsoft.com/office/powerpoint/2010/main" val="2070045837"/>
       </p:ext>
     </p:extLst>
   </p:cSld>

--- a/[01-1 데이터 분석 및 시각화 0618금] (1~1교시) 파이썬 라이브러리를 활용한 데이터 분석 개요와 준비.pptx
+++ b/[01-1 데이터 분석 및 시각화 0618금] (1~1교시) 파이썬 라이브러리를 활용한 데이터 분석 개요와 준비.pptx
@@ -6,7 +6,7 @@
     <p:sldMasterId id="2147483672" r:id="rId2"/>
   </p:sldMasterIdLst>
   <p:notesMasterIdLst>
-    <p:notesMasterId r:id="rId20"/>
+    <p:notesMasterId r:id="rId21"/>
   </p:notesMasterIdLst>
   <p:sldIdLst>
     <p:sldId id="579" r:id="rId3"/>
@@ -26,11 +26,12 @@
     <p:sldId id="603" r:id="rId17"/>
     <p:sldId id="604" r:id="rId18"/>
     <p:sldId id="605" r:id="rId19"/>
+    <p:sldId id="607" r:id="rId20"/>
   </p:sldIdLst>
   <p:sldSz cx="9144000" cy="6858000" type="screen4x3"/>
   <p:notesSz cx="6858000" cy="9144000"/>
   <p:custDataLst>
-    <p:tags r:id="rId21"/>
+    <p:tags r:id="rId22"/>
   </p:custDataLst>
   <p:defaultTextStyle>
     <a:defPPr>
@@ -268,7 +269,7 @@
             <a:fld id="{3C8F8230-0520-4083-807F-7B220B43BFBD}" type="datetimeFigureOut">
               <a:rPr lang="ko-KR" altLang="en-US" smtClean="0"/>
               <a:pPr/>
-              <a:t>2021-05-29</a:t>
+              <a:t>2021-06-11</a:t>
             </a:fld>
             <a:endParaRPr lang="ko-KR" altLang="en-US"/>
           </a:p>
@@ -827,7 +828,7 @@
           <a:p>
             <a:fld id="{EE574790-609E-4709-843C-74DE14E574F0}" type="datetimeFigureOut">
               <a:rPr lang="ko-KR" altLang="en-US" smtClean="0"/>
-              <a:t>2021-05-29</a:t>
+              <a:t>2021-06-11</a:t>
             </a:fld>
             <a:endParaRPr lang="ko-KR" altLang="en-US"/>
           </a:p>
@@ -997,7 +998,7 @@
           <a:p>
             <a:fld id="{EE574790-609E-4709-843C-74DE14E574F0}" type="datetimeFigureOut">
               <a:rPr lang="ko-KR" altLang="en-US" smtClean="0"/>
-              <a:t>2021-05-29</a:t>
+              <a:t>2021-06-11</a:t>
             </a:fld>
             <a:endParaRPr lang="ko-KR" altLang="en-US"/>
           </a:p>
@@ -1243,7 +1244,7 @@
           <a:p>
             <a:fld id="{EE574790-609E-4709-843C-74DE14E574F0}" type="datetimeFigureOut">
               <a:rPr lang="ko-KR" altLang="en-US" smtClean="0"/>
-              <a:t>2021-05-29</a:t>
+              <a:t>2021-06-11</a:t>
             </a:fld>
             <a:endParaRPr lang="ko-KR" altLang="en-US"/>
           </a:p>
@@ -1531,7 +1532,7 @@
           <a:p>
             <a:fld id="{EE574790-609E-4709-843C-74DE14E574F0}" type="datetimeFigureOut">
               <a:rPr lang="ko-KR" altLang="en-US" smtClean="0"/>
-              <a:t>2021-05-29</a:t>
+              <a:t>2021-06-11</a:t>
             </a:fld>
             <a:endParaRPr lang="ko-KR" altLang="en-US"/>
           </a:p>
@@ -1953,7 +1954,7 @@
           <a:p>
             <a:fld id="{EE574790-609E-4709-843C-74DE14E574F0}" type="datetimeFigureOut">
               <a:rPr lang="ko-KR" altLang="en-US" smtClean="0"/>
-              <a:t>2021-05-29</a:t>
+              <a:t>2021-06-11</a:t>
             </a:fld>
             <a:endParaRPr lang="ko-KR" altLang="en-US"/>
           </a:p>
@@ -2071,7 +2072,7 @@
           <a:p>
             <a:fld id="{EE574790-609E-4709-843C-74DE14E574F0}" type="datetimeFigureOut">
               <a:rPr lang="ko-KR" altLang="en-US" smtClean="0"/>
-              <a:t>2021-05-29</a:t>
+              <a:t>2021-06-11</a:t>
             </a:fld>
             <a:endParaRPr lang="ko-KR" altLang="en-US"/>
           </a:p>
@@ -2166,7 +2167,7 @@
           <a:p>
             <a:fld id="{EE574790-609E-4709-843C-74DE14E574F0}" type="datetimeFigureOut">
               <a:rPr lang="ko-KR" altLang="en-US" smtClean="0"/>
-              <a:t>2021-05-29</a:t>
+              <a:t>2021-06-11</a:t>
             </a:fld>
             <a:endParaRPr lang="ko-KR" altLang="en-US"/>
           </a:p>
@@ -2443,7 +2444,7 @@
           <a:p>
             <a:fld id="{EE574790-609E-4709-843C-74DE14E574F0}" type="datetimeFigureOut">
               <a:rPr lang="ko-KR" altLang="en-US" smtClean="0"/>
-              <a:t>2021-05-29</a:t>
+              <a:t>2021-06-11</a:t>
             </a:fld>
             <a:endParaRPr lang="ko-KR" altLang="en-US"/>
           </a:p>
@@ -2696,7 +2697,7 @@
           <a:p>
             <a:fld id="{EE574790-609E-4709-843C-74DE14E574F0}" type="datetimeFigureOut">
               <a:rPr lang="ko-KR" altLang="en-US" smtClean="0"/>
-              <a:t>2021-05-29</a:t>
+              <a:t>2021-06-11</a:t>
             </a:fld>
             <a:endParaRPr lang="ko-KR" altLang="en-US"/>
           </a:p>
@@ -2917,7 +2918,7 @@
           <a:p>
             <a:fld id="{EE574790-609E-4709-843C-74DE14E574F0}" type="datetimeFigureOut">
               <a:rPr lang="ko-KR" altLang="en-US" smtClean="0"/>
-              <a:t>2021-05-29</a:t>
+              <a:t>2021-06-11</a:t>
             </a:fld>
             <a:endParaRPr lang="ko-KR" altLang="en-US"/>
           </a:p>
@@ -3097,7 +3098,7 @@
           <a:p>
             <a:fld id="{EE574790-609E-4709-843C-74DE14E574F0}" type="datetimeFigureOut">
               <a:rPr lang="ko-KR" altLang="en-US" smtClean="0"/>
-              <a:t>2021-05-29</a:t>
+              <a:t>2021-06-11</a:t>
             </a:fld>
             <a:endParaRPr lang="ko-KR" altLang="en-US"/>
           </a:p>
@@ -16661,7 +16662,7 @@
           <a:p>
             <a:fld id="{EE574790-609E-4709-843C-74DE14E574F0}" type="datetimeFigureOut">
               <a:rPr lang="ko-KR" altLang="en-US" smtClean="0"/>
-              <a:t>2021-05-29</a:t>
+              <a:t>2021-06-11</a:t>
             </a:fld>
             <a:endParaRPr lang="ko-KR" altLang="en-US"/>
           </a:p>
@@ -18989,6 +18990,247 @@
 </p:sld>
 </file>
 
+<file path=ppt/slides/slide18.xml><?xml version="1.0" encoding="utf-8"?>
+<p:sld xmlns:a="http://schemas.openxmlformats.org/drawingml/2006/main" xmlns:r="http://schemas.openxmlformats.org/officeDocument/2006/relationships" xmlns:p="http://schemas.openxmlformats.org/presentationml/2006/main">
+  <p:cSld>
+    <p:spTree>
+      <p:nvGrpSpPr>
+        <p:cNvPr id="1" name=""/>
+        <p:cNvGrpSpPr/>
+        <p:nvPr/>
+      </p:nvGrpSpPr>
+      <p:grpSpPr>
+        <a:xfrm>
+          <a:off x="0" y="0"/>
+          <a:ext cx="0" cy="0"/>
+          <a:chOff x="0" y="0"/>
+          <a:chExt cx="0" cy="0"/>
+        </a:xfrm>
+      </p:grpSpPr>
+      <p:sp>
+        <p:nvSpPr>
+          <p:cNvPr id="2" name="슬라이드 번호 개체 틀 1"/>
+          <p:cNvSpPr>
+            <a:spLocks noGrp="1"/>
+          </p:cNvSpPr>
+          <p:nvPr>
+            <p:ph type="sldNum" sz="quarter" idx="4"/>
+          </p:nvPr>
+        </p:nvSpPr>
+        <p:spPr/>
+        <p:txBody>
+          <a:bodyPr/>
+          <a:lstStyle/>
+          <a:p>
+            <a:fld id="{B4F3E208-3B10-45C3-AB64-9D3429F1AD1A}" type="slidenum">
+              <a:rPr lang="ko-KR" altLang="en-US" smtClean="0"/>
+              <a:t>18</a:t>
+            </a:fld>
+            <a:endParaRPr lang="ko-KR" altLang="en-US"/>
+          </a:p>
+        </p:txBody>
+      </p:sp>
+      <p:sp>
+        <p:nvSpPr>
+          <p:cNvPr id="3" name="제목 2"/>
+          <p:cNvSpPr>
+            <a:spLocks noGrp="1"/>
+          </p:cNvSpPr>
+          <p:nvPr>
+            <p:ph type="title"/>
+          </p:nvPr>
+        </p:nvSpPr>
+        <p:spPr/>
+        <p:txBody>
+          <a:bodyPr/>
+          <a:lstStyle/>
+          <a:p>
+            <a:r>
+              <a:rPr lang="en-US" altLang="ko-KR" dirty="0" smtClean="0"/>
+              <a:t>Quiz</a:t>
+            </a:r>
+            <a:endParaRPr lang="ko-KR" altLang="en-US" dirty="0"/>
+          </a:p>
+        </p:txBody>
+      </p:sp>
+      <p:sp>
+        <p:nvSpPr>
+          <p:cNvPr id="4" name="내용 개체 틀 3"/>
+          <p:cNvSpPr>
+            <a:spLocks noGrp="1"/>
+          </p:cNvSpPr>
+          <p:nvPr>
+            <p:ph idx="1"/>
+          </p:nvPr>
+        </p:nvSpPr>
+        <p:spPr/>
+        <p:txBody>
+          <a:bodyPr/>
+          <a:lstStyle/>
+          <a:p>
+            <a:r>
+              <a:rPr lang="ko-KR" altLang="en-US" dirty="0" smtClean="0"/>
+              <a:t>다음 중 </a:t>
+            </a:r>
+            <a:r>
+              <a:rPr lang="ko-KR" altLang="en-US" dirty="0" err="1" smtClean="0"/>
+              <a:t>파이썬의</a:t>
+            </a:r>
+            <a:r>
+              <a:rPr lang="ko-KR" altLang="en-US" dirty="0" smtClean="0"/>
+              <a:t> 설명 중 잘못된 것은</a:t>
+            </a:r>
+            <a:r>
+              <a:rPr lang="en-US" altLang="ko-KR" dirty="0" smtClean="0"/>
+              <a:t>? (4)</a:t>
+            </a:r>
+            <a:endParaRPr lang="en-US" altLang="ko-KR" dirty="0" smtClean="0"/>
+          </a:p>
+          <a:p>
+            <a:pPr lvl="1"/>
+            <a:r>
+              <a:rPr lang="en-US" altLang="ko-KR" dirty="0" err="1"/>
+              <a:t>jupyter</a:t>
+            </a:r>
+            <a:r>
+              <a:rPr lang="ko-KR" altLang="en-US" dirty="0"/>
+              <a:t>를 설치하면 주피터노트북을 실행할 수 있다</a:t>
+            </a:r>
+            <a:r>
+              <a:rPr lang="en-US" altLang="ko-KR" dirty="0"/>
+              <a:t>. </a:t>
+            </a:r>
+          </a:p>
+          <a:p>
+            <a:pPr lvl="1"/>
+            <a:r>
+              <a:rPr lang="en-US" altLang="ko-KR" dirty="0"/>
+              <a:t>python –m notebook </a:t>
+            </a:r>
+            <a:r>
+              <a:rPr lang="ko-KR" altLang="en-US" dirty="0"/>
+              <a:t>명령어로 주피터노트북을 실행할 수 있다</a:t>
+            </a:r>
+            <a:r>
+              <a:rPr lang="en-US" altLang="ko-KR" dirty="0"/>
+              <a:t>.</a:t>
+            </a:r>
+          </a:p>
+          <a:p>
+            <a:pPr lvl="1"/>
+            <a:r>
+              <a:rPr lang="en-US" altLang="ko-KR" dirty="0"/>
+              <a:t>pandas</a:t>
+            </a:r>
+            <a:r>
+              <a:rPr lang="ko-KR" altLang="en-US" dirty="0"/>
+              <a:t>를 설치하면 </a:t>
+            </a:r>
+            <a:r>
+              <a:rPr lang="en-US" altLang="ko-KR" dirty="0" err="1"/>
+              <a:t>numpy</a:t>
+            </a:r>
+            <a:r>
+              <a:rPr lang="ko-KR" altLang="en-US" dirty="0"/>
+              <a:t>도 설치된다</a:t>
+            </a:r>
+            <a:r>
+              <a:rPr lang="en-US" altLang="ko-KR" dirty="0"/>
+              <a:t>.</a:t>
+            </a:r>
+          </a:p>
+          <a:p>
+            <a:pPr lvl="1"/>
+            <a:r>
+              <a:rPr lang="en-US" altLang="ko-KR" dirty="0" err="1"/>
+              <a:t>matplotlib</a:t>
+            </a:r>
+            <a:r>
+              <a:rPr lang="ko-KR" altLang="en-US" dirty="0"/>
+              <a:t>를 설치하면 </a:t>
+            </a:r>
+            <a:r>
+              <a:rPr lang="en-US" altLang="ko-KR" dirty="0"/>
+              <a:t>pandas</a:t>
+            </a:r>
+            <a:r>
+              <a:rPr lang="ko-KR" altLang="en-US" dirty="0"/>
+              <a:t>도 설치된다</a:t>
+            </a:r>
+            <a:r>
+              <a:rPr lang="en-US" altLang="ko-KR" dirty="0"/>
+              <a:t>.</a:t>
+            </a:r>
+            <a:endParaRPr lang="ko-KR" altLang="en-US" dirty="0"/>
+          </a:p>
+        </p:txBody>
+      </p:sp>
+      <p:sp>
+        <p:nvSpPr>
+          <p:cNvPr id="5" name="직사각형 4"/>
+          <p:cNvSpPr/>
+          <p:nvPr/>
+        </p:nvSpPr>
+        <p:spPr>
+          <a:xfrm>
+            <a:off x="1900518" y="585062"/>
+            <a:ext cx="7000410" cy="240476"/>
+          </a:xfrm>
+          <a:prstGeom prst="rect">
+            <a:avLst/>
+          </a:prstGeom>
+          <a:solidFill>
+            <a:srgbClr val="FFFF00"/>
+          </a:solidFill>
+          <a:ln>
+            <a:noFill/>
+          </a:ln>
+        </p:spPr>
+        <p:style>
+          <a:lnRef idx="2">
+            <a:schemeClr val="accent1">
+              <a:shade val="50000"/>
+            </a:schemeClr>
+          </a:lnRef>
+          <a:fillRef idx="1">
+            <a:schemeClr val="accent1"/>
+          </a:fillRef>
+          <a:effectRef idx="0">
+            <a:schemeClr val="accent1"/>
+          </a:effectRef>
+          <a:fontRef idx="minor">
+            <a:schemeClr val="lt1"/>
+          </a:fontRef>
+        </p:style>
+        <p:txBody>
+          <a:bodyPr rtlCol="0" anchor="ctr"/>
+          <a:lstStyle/>
+          <a:p>
+            <a:pPr algn="ctr"/>
+            <a:endParaRPr lang="ko-KR" altLang="en-US"/>
+          </a:p>
+        </p:txBody>
+      </p:sp>
+    </p:spTree>
+    <p:extLst>
+      <p:ext uri="{BB962C8B-B14F-4D97-AF65-F5344CB8AC3E}">
+        <p14:creationId xmlns:p14="http://schemas.microsoft.com/office/powerpoint/2010/main" val="2468736457"/>
+      </p:ext>
+    </p:extLst>
+  </p:cSld>
+  <p:clrMapOvr>
+    <a:masterClrMapping/>
+  </p:clrMapOvr>
+  <p:timing>
+    <p:tnLst>
+      <p:par>
+        <p:cTn id="1" dur="indefinite" restart="never" nodeType="tmRoot"/>
+      </p:par>
+    </p:tnLst>
+  </p:timing>
+</p:sld>
+</file>
+
 <file path=ppt/slides/slide2.xml><?xml version="1.0" encoding="utf-8"?>
 <p:sld xmlns:a="http://schemas.openxmlformats.org/drawingml/2006/main" xmlns:r="http://schemas.openxmlformats.org/officeDocument/2006/relationships" xmlns:p="http://schemas.openxmlformats.org/presentationml/2006/main">
   <p:cSld>
@@ -19192,14 +19434,14 @@
           <p:nvPr>
             <p:extLst>
               <p:ext uri="{D42A27DB-BD31-4B8C-83A1-F6EECF244321}">
-                <p14:modId xmlns:p14="http://schemas.microsoft.com/office/powerpoint/2010/main" val="2576508524"/>
+                <p14:modId xmlns:p14="http://schemas.microsoft.com/office/powerpoint/2010/main" val="1211045509"/>
               </p:ext>
             </p:extLst>
           </p:nvPr>
         </p:nvGraphicFramePr>
         <p:xfrm>
           <a:off x="818123" y="3180009"/>
-          <a:ext cx="7886700" cy="2299108"/>
+          <a:ext cx="7886700" cy="2449760"/>
         </p:xfrm>
         <a:graphic>
           <a:graphicData uri="http://schemas.openxmlformats.org/drawingml/2006/table">
@@ -19811,77 +20053,77 @@
                         </a:spcAft>
                       </a:pPr>
                       <a:r>
-                        <a:rPr lang="ko-KR" sz="1000">
+                        <a:rPr lang="ko-KR" sz="1000" dirty="0">
                           <a:effectLst/>
                           <a:ea typeface="Malgun Gothic" panose="020B0503020000020004" pitchFamily="50" charset="-127"/>
                         </a:rPr>
                         <a:t>수업</a:t>
                       </a:r>
                       <a:r>
-                        <a:rPr lang="en-US" sz="1000">
+                        <a:rPr lang="en-US" sz="1000" dirty="0">
                           <a:effectLst/>
                           <a:ea typeface="Malgun Gothic" panose="020B0503020000020004" pitchFamily="50" charset="-127"/>
                         </a:rPr>
                         <a:t> </a:t>
                       </a:r>
                       <a:r>
-                        <a:rPr lang="ko-KR" sz="1000">
+                        <a:rPr lang="ko-KR" sz="1000" dirty="0">
                           <a:effectLst/>
                           <a:ea typeface="Malgun Gothic" panose="020B0503020000020004" pitchFamily="50" charset="-127"/>
                         </a:rPr>
                         <a:t>소개와</a:t>
                       </a:r>
                       <a:r>
-                        <a:rPr lang="en-US" sz="1000">
+                        <a:rPr lang="en-US" sz="1000" dirty="0">
                           <a:effectLst/>
                           <a:ea typeface="Malgun Gothic" panose="020B0503020000020004" pitchFamily="50" charset="-127"/>
                         </a:rPr>
                         <a:t> </a:t>
                       </a:r>
                       <a:r>
-                        <a:rPr lang="ko-KR" sz="1000">
+                        <a:rPr lang="ko-KR" sz="1000" dirty="0">
                           <a:effectLst/>
                           <a:ea typeface="Malgun Gothic" panose="020B0503020000020004" pitchFamily="50" charset="-127"/>
                         </a:rPr>
                         <a:t>데이터</a:t>
                       </a:r>
                       <a:r>
-                        <a:rPr lang="en-US" sz="1000">
+                        <a:rPr lang="en-US" sz="1000" dirty="0">
                           <a:effectLst/>
                           <a:ea typeface="Malgun Gothic" panose="020B0503020000020004" pitchFamily="50" charset="-127"/>
                         </a:rPr>
                         <a:t> </a:t>
                       </a:r>
                       <a:r>
-                        <a:rPr lang="ko-KR" sz="1000">
+                        <a:rPr lang="ko-KR" sz="1000" dirty="0">
                           <a:effectLst/>
                           <a:ea typeface="Malgun Gothic" panose="020B0503020000020004" pitchFamily="50" charset="-127"/>
                         </a:rPr>
                         <a:t>처리</a:t>
                       </a:r>
                       <a:r>
-                        <a:rPr lang="en-US" sz="1000">
+                        <a:rPr lang="en-US" sz="1000" dirty="0">
                           <a:effectLst/>
                           <a:ea typeface="Malgun Gothic" panose="020B0503020000020004" pitchFamily="50" charset="-127"/>
                         </a:rPr>
                         <a:t> </a:t>
                       </a:r>
                       <a:r>
-                        <a:rPr lang="ko-KR" sz="1000">
+                        <a:rPr lang="ko-KR" sz="1000" dirty="0">
                           <a:effectLst/>
                           <a:ea typeface="Malgun Gothic" panose="020B0503020000020004" pitchFamily="50" charset="-127"/>
                         </a:rPr>
                         <a:t>개발환경</a:t>
                       </a:r>
                       <a:r>
-                        <a:rPr lang="en-US" sz="1000">
+                        <a:rPr lang="en-US" sz="1000" dirty="0">
                           <a:effectLst/>
                           <a:ea typeface="Malgun Gothic" panose="020B0503020000020004" pitchFamily="50" charset="-127"/>
                         </a:rPr>
                         <a:t> </a:t>
                       </a:r>
                       <a:r>
-                        <a:rPr lang="ko-KR" sz="1000">
+                        <a:rPr lang="ko-KR" sz="1000" dirty="0">
                           <a:effectLst/>
                           <a:ea typeface="Malgun Gothic" panose="020B0503020000020004" pitchFamily="50" charset="-127"/>
                         </a:rPr>
@@ -19898,58 +20140,175 @@
                         </a:spcAft>
                       </a:pPr>
                       <a:r>
-                        <a:rPr lang="en-US" sz="1000">
+                        <a:rPr lang="en-US" sz="1000" dirty="0">
                           <a:effectLst/>
                           <a:ea typeface="Malgun Gothic" panose="020B0503020000020004" pitchFamily="50" charset="-127"/>
                         </a:rPr>
                         <a:t>1</a:t>
                       </a:r>
                       <a:r>
-                        <a:rPr lang="ko-KR" sz="1000">
+                        <a:rPr lang="ko-KR" sz="1000" dirty="0">
                           <a:effectLst/>
                           <a:ea typeface="Malgun Gothic" panose="020B0503020000020004" pitchFamily="50" charset="-127"/>
                         </a:rPr>
                         <a:t>장</a:t>
                       </a:r>
                       <a:r>
-                        <a:rPr lang="en-US" sz="1000">
+                        <a:rPr lang="en-US" sz="1000" dirty="0">
                           <a:effectLst/>
                           <a:ea typeface="Malgun Gothic" panose="020B0503020000020004" pitchFamily="50" charset="-127"/>
                         </a:rPr>
                         <a:t> </a:t>
                       </a:r>
                       <a:r>
-                        <a:rPr lang="ko-KR" sz="1000">
+                        <a:rPr lang="ko-KR" sz="1000" dirty="0">
                           <a:effectLst/>
                           <a:ea typeface="Malgun Gothic" panose="020B0503020000020004" pitchFamily="50" charset="-127"/>
                         </a:rPr>
                         <a:t>시간하기</a:t>
                       </a:r>
                       <a:r>
-                        <a:rPr lang="en-US" sz="1000">
+                        <a:rPr lang="en-US" sz="1000" dirty="0">
                           <a:effectLst/>
                           <a:ea typeface="Malgun Gothic" panose="020B0503020000020004" pitchFamily="50" charset="-127"/>
                         </a:rPr>
                         <a:t> </a:t>
                       </a:r>
                       <a:r>
-                        <a:rPr lang="ko-KR" sz="1000">
+                        <a:rPr lang="ko-KR" sz="1000" dirty="0">
                           <a:effectLst/>
                           <a:ea typeface="Malgun Gothic" panose="020B0503020000020004" pitchFamily="50" charset="-127"/>
                         </a:rPr>
                         <a:t>전에</a:t>
                       </a:r>
                       <a:r>
-                        <a:rPr lang="en-US" sz="1000">
+                        <a:rPr lang="en-US" sz="1000" dirty="0">
                           <a:effectLst/>
                           <a:ea typeface="Malgun Gothic" panose="020B0503020000020004" pitchFamily="50" charset="-127"/>
                         </a:rPr>
                         <a:t> </a:t>
                       </a:r>
-                      <a:endParaRPr lang="ko-KR" sz="1000">
+                      <a:endParaRPr lang="en-US" sz="1000" dirty="0" smtClean="0">
                         <a:effectLst/>
                         <a:ea typeface="Malgun Gothic" panose="020B0503020000020004" pitchFamily="50" charset="-127"/>
                       </a:endParaRPr>
+                    </a:p>
+                    <a:p>
+                      <a:pPr marL="0" marR="0" indent="0" algn="l" defTabSz="914400" rtl="0" eaLnBrk="1" fontAlgn="t" latinLnBrk="1" hangingPunct="1">
+                        <a:lnSpc>
+                          <a:spcPct val="100000"/>
+                        </a:lnSpc>
+                        <a:spcBef>
+                          <a:spcPts val="0"/>
+                        </a:spcBef>
+                        <a:spcAft>
+                          <a:spcPts val="0"/>
+                        </a:spcAft>
+                        <a:buClrTx/>
+                        <a:buSzTx/>
+                        <a:buFontTx/>
+                        <a:buNone/>
+                        <a:tabLst/>
+                        <a:defRPr/>
+                      </a:pPr>
+                      <a:r>
+                        <a:rPr lang="en-US" altLang="ko-KR" sz="1000" dirty="0" smtClean="0">
+                          <a:effectLst/>
+                          <a:ea typeface="Malgun Gothic" panose="020B0503020000020004" pitchFamily="50" charset="-127"/>
+                        </a:rPr>
+                        <a:t>2</a:t>
+                      </a:r>
+                      <a:r>
+                        <a:rPr lang="ko-KR" altLang="ko-KR" sz="1000" dirty="0" smtClean="0">
+                          <a:effectLst/>
+                          <a:ea typeface="Malgun Gothic" panose="020B0503020000020004" pitchFamily="50" charset="-127"/>
+                        </a:rPr>
+                        <a:t>장</a:t>
+                      </a:r>
+                      <a:r>
+                        <a:rPr lang="en-US" altLang="ko-KR" sz="1000" dirty="0" smtClean="0">
+                          <a:effectLst/>
+                          <a:ea typeface="Malgun Gothic" panose="020B0503020000020004" pitchFamily="50" charset="-127"/>
+                        </a:rPr>
+                        <a:t> </a:t>
+                      </a:r>
+                      <a:r>
+                        <a:rPr lang="ko-KR" altLang="ko-KR" sz="1000" dirty="0" err="1" smtClean="0">
+                          <a:effectLst/>
+                          <a:ea typeface="Malgun Gothic" panose="020B0503020000020004" pitchFamily="50" charset="-127"/>
+                        </a:rPr>
+                        <a:t>파이썬</a:t>
+                      </a:r>
+                      <a:r>
+                        <a:rPr lang="en-US" altLang="ko-KR" sz="1000" dirty="0" smtClean="0">
+                          <a:effectLst/>
+                          <a:ea typeface="Malgun Gothic" panose="020B0503020000020004" pitchFamily="50" charset="-127"/>
+                        </a:rPr>
+                        <a:t> </a:t>
+                      </a:r>
+                      <a:r>
+                        <a:rPr lang="ko-KR" altLang="ko-KR" sz="1000" dirty="0" smtClean="0">
+                          <a:effectLst/>
+                          <a:ea typeface="Malgun Gothic" panose="020B0503020000020004" pitchFamily="50" charset="-127"/>
+                        </a:rPr>
+                        <a:t>언어의</a:t>
+                      </a:r>
+                      <a:r>
+                        <a:rPr lang="en-US" altLang="ko-KR" sz="1000" dirty="0" smtClean="0">
+                          <a:effectLst/>
+                          <a:ea typeface="Malgun Gothic" panose="020B0503020000020004" pitchFamily="50" charset="-127"/>
+                        </a:rPr>
+                        <a:t> </a:t>
+                      </a:r>
+                      <a:r>
+                        <a:rPr lang="ko-KR" altLang="ko-KR" sz="1000" dirty="0" smtClean="0">
+                          <a:effectLst/>
+                          <a:ea typeface="Malgun Gothic" panose="020B0503020000020004" pitchFamily="50" charset="-127"/>
+                        </a:rPr>
+                        <a:t>기본</a:t>
+                      </a:r>
+                      <a:r>
+                        <a:rPr lang="en-US" altLang="ko-KR" sz="1000" dirty="0" smtClean="0">
+                          <a:effectLst/>
+                          <a:ea typeface="Malgun Gothic" panose="020B0503020000020004" pitchFamily="50" charset="-127"/>
+                        </a:rPr>
+                        <a:t>, </a:t>
+                      </a:r>
+                      <a:r>
+                        <a:rPr lang="en-US" altLang="ko-KR" sz="1000" dirty="0" err="1" smtClean="0">
+                          <a:effectLst/>
+                          <a:ea typeface="Malgun Gothic" panose="020B0503020000020004" pitchFamily="50" charset="-127"/>
+                        </a:rPr>
+                        <a:t>ipython</a:t>
+                      </a:r>
+                      <a:r>
+                        <a:rPr lang="en-US" altLang="ko-KR" sz="1000" dirty="0" smtClean="0">
+                          <a:effectLst/>
+                          <a:ea typeface="Malgun Gothic" panose="020B0503020000020004" pitchFamily="50" charset="-127"/>
+                        </a:rPr>
+                        <a:t>, </a:t>
+                      </a:r>
+                      <a:r>
+                        <a:rPr lang="ko-KR" altLang="ko-KR" sz="1000" dirty="0" smtClean="0">
+                          <a:effectLst/>
+                          <a:ea typeface="Malgun Gothic" panose="020B0503020000020004" pitchFamily="50" charset="-127"/>
+                        </a:rPr>
+                        <a:t>주피터</a:t>
+                      </a:r>
+                      <a:r>
+                        <a:rPr lang="en-US" altLang="ko-KR" sz="1000" dirty="0" smtClean="0">
+                          <a:effectLst/>
+                          <a:ea typeface="Malgun Gothic" panose="020B0503020000020004" pitchFamily="50" charset="-127"/>
+                        </a:rPr>
+                        <a:t> </a:t>
+                      </a:r>
+                      <a:r>
+                        <a:rPr lang="ko-KR" altLang="ko-KR" sz="1000" dirty="0" smtClean="0">
+                          <a:effectLst/>
+                          <a:ea typeface="Malgun Gothic" panose="020B0503020000020004" pitchFamily="50" charset="-127"/>
+                        </a:rPr>
+                        <a:t>노트북</a:t>
+                      </a:r>
                     </a:p>
                   </a:txBody>
                   <a:tcPr marL="42576" marR="42576" marT="42576" marB="42576">
@@ -20005,170 +20364,76 @@
                         </a:spcAft>
                       </a:pPr>
                       <a:r>
-                        <a:rPr lang="en-US" sz="1000">
+                        <a:rPr lang="en-US" sz="1000" dirty="0" smtClean="0">
                           <a:effectLst/>
                           <a:ea typeface="Malgun Gothic" panose="020B0503020000020004" pitchFamily="50" charset="-127"/>
                         </a:rPr>
-                        <a:t>2</a:t>
-                      </a:r>
-                      <a:r>
-                        <a:rPr lang="ko-KR" sz="1000">
+                        <a:t>3</a:t>
+                      </a:r>
+                      <a:r>
+                        <a:rPr lang="ko-KR" sz="1000" dirty="0">
+                          <a:effectLst/>
+                          <a:ea typeface="맑은 고딕" panose="020B0503020000020004" pitchFamily="50" charset="-127"/>
+                        </a:rPr>
+                        <a:t>장</a:t>
+                      </a:r>
+                      <a:r>
+                        <a:rPr lang="en-US" sz="1000" dirty="0">
                           <a:effectLst/>
                           <a:ea typeface="Malgun Gothic" panose="020B0503020000020004" pitchFamily="50" charset="-127"/>
                         </a:rPr>
-                        <a:t>장</a:t>
-                      </a:r>
-                      <a:r>
-                        <a:rPr lang="en-US" sz="1000">
+                        <a:t> </a:t>
+                      </a:r>
+                      <a:r>
+                        <a:rPr lang="ko-KR" sz="1000" dirty="0">
+                          <a:effectLst/>
+                          <a:ea typeface="맑은 고딕" panose="020B0503020000020004" pitchFamily="50" charset="-127"/>
+                        </a:rPr>
+                        <a:t>내장</a:t>
+                      </a:r>
+                      <a:r>
+                        <a:rPr lang="en-US" sz="1000" dirty="0">
+                          <a:effectLst/>
+                          <a:ea typeface="맑은 고딕" panose="020B0503020000020004" pitchFamily="50" charset="-127"/>
+                        </a:rPr>
+                        <a:t> </a:t>
+                      </a:r>
+                      <a:r>
+                        <a:rPr lang="ko-KR" sz="1000" dirty="0">
+                          <a:effectLst/>
+                          <a:ea typeface="맑은 고딕" panose="020B0503020000020004" pitchFamily="50" charset="-127"/>
+                        </a:rPr>
+                        <a:t>자료구조</a:t>
+                      </a:r>
+                      <a:r>
+                        <a:rPr lang="en-US" sz="1000" dirty="0">
+                          <a:effectLst/>
+                          <a:ea typeface="맑은 고딕" panose="020B0503020000020004" pitchFamily="50" charset="-127"/>
+                        </a:rPr>
+                        <a:t>, </a:t>
+                      </a:r>
+                      <a:r>
+                        <a:rPr lang="ko-KR" sz="1000" dirty="0">
                           <a:effectLst/>
                           <a:ea typeface="Malgun Gothic" panose="020B0503020000020004" pitchFamily="50" charset="-127"/>
                         </a:rPr>
-                        <a:t> </a:t>
-                      </a:r>
-                      <a:r>
-                        <a:rPr lang="ko-KR" sz="1000">
-                          <a:effectLst/>
-                          <a:ea typeface="Malgun Gothic" panose="020B0503020000020004" pitchFamily="50" charset="-127"/>
-                        </a:rPr>
-                        <a:t>파이썬</a:t>
-                      </a:r>
-                      <a:r>
-                        <a:rPr lang="en-US" sz="1000">
-                          <a:effectLst/>
-                          <a:ea typeface="Malgun Gothic" panose="020B0503020000020004" pitchFamily="50" charset="-127"/>
-                        </a:rPr>
-                        <a:t> </a:t>
-                      </a:r>
-                      <a:r>
-                        <a:rPr lang="ko-KR" sz="1000">
-                          <a:effectLst/>
-                          <a:ea typeface="Malgun Gothic" panose="020B0503020000020004" pitchFamily="50" charset="-127"/>
-                        </a:rPr>
-                        <a:t>언어의</a:t>
-                      </a:r>
-                      <a:r>
-                        <a:rPr lang="en-US" sz="1000">
-                          <a:effectLst/>
-                          <a:ea typeface="Malgun Gothic" panose="020B0503020000020004" pitchFamily="50" charset="-127"/>
-                        </a:rPr>
-                        <a:t> </a:t>
-                      </a:r>
-                      <a:r>
-                        <a:rPr lang="ko-KR" sz="1000">
-                          <a:effectLst/>
-                          <a:ea typeface="Malgun Gothic" panose="020B0503020000020004" pitchFamily="50" charset="-127"/>
-                        </a:rPr>
-                        <a:t>기본</a:t>
-                      </a:r>
-                      <a:r>
-                        <a:rPr lang="en-US" sz="1000">
-                          <a:effectLst/>
-                          <a:ea typeface="Malgun Gothic" panose="020B0503020000020004" pitchFamily="50" charset="-127"/>
-                        </a:rPr>
-                        <a:t>, ipython, </a:t>
-                      </a:r>
-                      <a:r>
-                        <a:rPr lang="ko-KR" sz="1000">
-                          <a:effectLst/>
-                          <a:ea typeface="Malgun Gothic" panose="020B0503020000020004" pitchFamily="50" charset="-127"/>
-                        </a:rPr>
-                        <a:t>주피터</a:t>
-                      </a:r>
-                      <a:r>
-                        <a:rPr lang="en-US" sz="1000">
-                          <a:effectLst/>
-                          <a:ea typeface="Malgun Gothic" panose="020B0503020000020004" pitchFamily="50" charset="-127"/>
-                        </a:rPr>
-                        <a:t> </a:t>
-                      </a:r>
-                      <a:r>
-                        <a:rPr lang="ko-KR" sz="1000">
-                          <a:effectLst/>
-                          <a:ea typeface="Malgun Gothic" panose="020B0503020000020004" pitchFamily="50" charset="-127"/>
-                        </a:rPr>
-                        <a:t>노트북</a:t>
-                      </a:r>
-                    </a:p>
-                    <a:p>
-                      <a:pPr marL="0" marR="0" fontAlgn="t">
-                        <a:spcBef>
-                          <a:spcPts val="0"/>
-                        </a:spcBef>
-                        <a:spcAft>
-                          <a:spcPts val="0"/>
-                        </a:spcAft>
-                      </a:pPr>
-                      <a:r>
-                        <a:rPr lang="en-US" sz="1000">
-                          <a:effectLst/>
-                          <a:ea typeface="Malgun Gothic" panose="020B0503020000020004" pitchFamily="50" charset="-127"/>
-                        </a:rPr>
-                        <a:t>3</a:t>
-                      </a:r>
-                      <a:r>
-                        <a:rPr lang="ko-KR" sz="1000">
+                        <a:t>함수</a:t>
+                      </a:r>
+                      <a:r>
+                        <a:rPr lang="en-US" sz="1000" dirty="0">
                           <a:effectLst/>
                           <a:ea typeface="맑은 고딕" panose="020B0503020000020004" pitchFamily="50" charset="-127"/>
                         </a:rPr>
-                        <a:t>장</a:t>
-                      </a:r>
-                      <a:r>
-                        <a:rPr lang="en-US" sz="1000">
-                          <a:effectLst/>
-                          <a:ea typeface="Malgun Gothic" panose="020B0503020000020004" pitchFamily="50" charset="-127"/>
-                        </a:rPr>
-                        <a:t> </a:t>
-                      </a:r>
-                      <a:r>
-                        <a:rPr lang="ko-KR" sz="1000">
+                        <a:t>, </a:t>
+                      </a:r>
+                      <a:r>
+                        <a:rPr lang="ko-KR" sz="1000" dirty="0">
                           <a:effectLst/>
                           <a:ea typeface="맑은 고딕" panose="020B0503020000020004" pitchFamily="50" charset="-127"/>
                         </a:rPr>
-                        <a:t>내장</a:t>
-                      </a:r>
-                      <a:r>
-                        <a:rPr lang="en-US" sz="1000">
-                          <a:effectLst/>
-                          <a:ea typeface="맑은 고딕" panose="020B0503020000020004" pitchFamily="50" charset="-127"/>
-                        </a:rPr>
-                        <a:t> </a:t>
-                      </a:r>
-                      <a:r>
-                        <a:rPr lang="ko-KR" sz="1000">
-                          <a:effectLst/>
-                          <a:ea typeface="맑은 고딕" panose="020B0503020000020004" pitchFamily="50" charset="-127"/>
-                        </a:rPr>
-                        <a:t>자료구조</a:t>
-                      </a:r>
-                      <a:r>
-                        <a:rPr lang="en-US" sz="1000">
-                          <a:effectLst/>
-                          <a:ea typeface="맑은 고딕" panose="020B0503020000020004" pitchFamily="50" charset="-127"/>
-                        </a:rPr>
-                        <a:t>, </a:t>
-                      </a:r>
-                      <a:r>
-                        <a:rPr lang="ko-KR" sz="1000">
-                          <a:effectLst/>
-                          <a:ea typeface="Malgun Gothic" panose="020B0503020000020004" pitchFamily="50" charset="-127"/>
-                        </a:rPr>
-                        <a:t>함수</a:t>
-                      </a:r>
-                      <a:r>
-                        <a:rPr lang="en-US" sz="1000">
-                          <a:effectLst/>
-                          <a:ea typeface="맑은 고딕" panose="020B0503020000020004" pitchFamily="50" charset="-127"/>
-                        </a:rPr>
-                        <a:t>, </a:t>
-                      </a:r>
-                      <a:r>
-                        <a:rPr lang="ko-KR" sz="1000">
-                          <a:effectLst/>
-                          <a:ea typeface="맑은 고딕" panose="020B0503020000020004" pitchFamily="50" charset="-127"/>
-                        </a:rPr>
                         <a:t>파일</a:t>
                       </a:r>
-                      <a:endParaRPr lang="ko-KR" sz="1000">
+                      <a:endParaRPr lang="ko-KR" sz="1000" dirty="0">
                         <a:effectLst/>
                       </a:endParaRPr>
                     </a:p>
